--- a/lessons/B_DataTypes_Strings/Class2C_deailing_w_multipleFiles.pptx
+++ b/lessons/B_DataTypes_Strings/Class2C_deailing_w_multipleFiles.pptx
@@ -225,7 +225,7 @@
           <a:p>
             <a:fld id="{B0C0A60C-850A-4EA4-9C14-A8FE98B94505}" type="datetimeFigureOut">
               <a:rPr lang="en-US" smtClean="0"/>
-              <a:t>1/23/21</a:t>
+              <a:t>2/4/21</a:t>
             </a:fld>
             <a:endParaRPr lang="en-US"/>
           </a:p>
@@ -624,7 +624,7 @@
           <a:p>
             <a:fld id="{5738B90E-0779-4C36-915C-6F05FCD89456}" type="datetime1">
               <a:rPr lang="en-US" smtClean="0"/>
-              <a:t>1/23/21</a:t>
+              <a:t>2/4/21</a:t>
             </a:fld>
             <a:endParaRPr lang="en-US"/>
           </a:p>
@@ -804,7 +804,7 @@
           <a:p>
             <a:fld id="{7B9EA29D-D431-42FE-B7B6-AAE4454C77D3}" type="datetime1">
               <a:rPr lang="en-US" smtClean="0"/>
-              <a:t>1/23/21</a:t>
+              <a:t>2/4/21</a:t>
             </a:fld>
             <a:endParaRPr lang="en-US"/>
           </a:p>
@@ -1061,7 +1061,7 @@
           <a:p>
             <a:fld id="{690D8A1E-EA8F-46C1-B891-AE0C00D9C314}" type="datetime1">
               <a:rPr lang="en-US" smtClean="0"/>
-              <a:t>1/23/21</a:t>
+              <a:t>2/4/21</a:t>
             </a:fld>
             <a:endParaRPr lang="en-US"/>
           </a:p>
@@ -1352,7 +1352,7 @@
           <a:p>
             <a:fld id="{D753EFC8-4232-4598-94F6-94C0EBAFC469}" type="datetime1">
               <a:rPr lang="en-US" smtClean="0"/>
-              <a:t>1/23/21</a:t>
+              <a:t>2/4/21</a:t>
             </a:fld>
             <a:endParaRPr lang="en-US"/>
           </a:p>
@@ -1664,7 +1664,7 @@
           <a:p>
             <a:fld id="{F3161074-1C18-4AE7-957D-F18524378C85}" type="datetime1">
               <a:rPr lang="en-US" smtClean="0"/>
-              <a:t>1/23/21</a:t>
+              <a:t>2/4/21</a:t>
             </a:fld>
             <a:endParaRPr lang="en-US"/>
           </a:p>
@@ -1900,7 +1900,7 @@
           <a:p>
             <a:fld id="{69BE256C-8D9A-4404-B47D-41A1AE514425}" type="datetime1">
               <a:rPr lang="en-US" smtClean="0"/>
-              <a:t>1/23/21</a:t>
+              <a:t>2/4/21</a:t>
             </a:fld>
             <a:endParaRPr lang="en-US"/>
           </a:p>
@@ -2331,7 +2331,7 @@
           <a:p>
             <a:fld id="{66CB2154-9035-4012-8189-BAAB61C5A5EE}" type="datetime1">
               <a:rPr lang="en-US" smtClean="0"/>
-              <a:t>1/23/21</a:t>
+              <a:t>2/4/21</a:t>
             </a:fld>
             <a:endParaRPr lang="en-US"/>
           </a:p>
@@ -2502,7 +2502,7 @@
           <a:p>
             <a:fld id="{6700A58B-DD98-43D0-B791-721480A02982}" type="datetime1">
               <a:rPr lang="en-US" smtClean="0"/>
-              <a:t>1/23/21</a:t>
+              <a:t>2/4/21</a:t>
             </a:fld>
             <a:endParaRPr lang="en-US"/>
           </a:p>
@@ -2691,7 +2691,7 @@
           <a:p>
             <a:fld id="{7DB6E382-4F61-4E24-BE1A-377EC83D0E3A}" type="datetime1">
               <a:rPr lang="en-US" smtClean="0"/>
-              <a:t>1/23/21</a:t>
+              <a:t>2/4/21</a:t>
             </a:fld>
             <a:endParaRPr lang="en-US"/>
           </a:p>
@@ -2999,7 +2999,7 @@
           <a:p>
             <a:fld id="{4142EED6-FC16-45B9-B8C4-2BC5DBA88325}" type="datetime1">
               <a:rPr lang="en-US" smtClean="0"/>
-              <a:t>1/23/21</a:t>
+              <a:t>2/4/21</a:t>
             </a:fld>
             <a:endParaRPr lang="en-US"/>
           </a:p>
@@ -3314,7 +3314,7 @@
           <a:p>
             <a:fld id="{DF59512B-4F1D-43D7-8819-2F53FEF69650}" type="datetime1">
               <a:rPr lang="en-US" smtClean="0"/>
-              <a:t>1/23/21</a:t>
+              <a:t>2/4/21</a:t>
             </a:fld>
             <a:endParaRPr lang="en-US"/>
           </a:p>
@@ -3587,7 +3587,7 @@
           <a:p>
             <a:fld id="{08437B94-E2BF-44DC-ADC5-B05FC9934E9D}" type="datetime1">
               <a:rPr lang="en-US" smtClean="0"/>
-              <a:t>1/23/21</a:t>
+              <a:t>2/4/21</a:t>
             </a:fld>
             <a:endParaRPr lang="en-US"/>
           </a:p>
@@ -4026,7 +4026,7 @@
           <a:p>
             <a:fld id="{6700A58B-DD98-43D0-B791-721480A02982}" type="datetime1">
               <a:rPr lang="en-US" smtClean="0"/>
-              <a:t>1/23/21</a:t>
+              <a:t>2/4/21</a:t>
             </a:fld>
             <a:endParaRPr lang="en-US"/>
           </a:p>
@@ -4747,7 +4747,7 @@
           <a:p>
             <a:fld id="{6700A58B-DD98-43D0-B791-721480A02982}" type="datetime1">
               <a:rPr lang="en-US" smtClean="0"/>
-              <a:t>1/23/21</a:t>
+              <a:t>2/4/21</a:t>
             </a:fld>
             <a:endParaRPr lang="en-US"/>
           </a:p>
@@ -5199,7 +5199,7 @@
         <p:spPr>
           <a:xfrm>
             <a:off x="2420450" y="4231436"/>
-            <a:ext cx="5250155" cy="369332"/>
+            <a:ext cx="4996881" cy="369332"/>
           </a:xfrm>
           <a:prstGeom prst="rect">
             <a:avLst/>
@@ -5230,7 +5230,7 @@
                 <a:latin typeface="Consolas" panose="020B0609020204030204" pitchFamily="49" charset="0"/>
                 <a:cs typeface="Consolas" panose="020B0609020204030204" pitchFamily="49" charset="0"/>
               </a:rPr>
-              <a:t>[[3]] #$text #named column $text</a:t>
+              <a:t>[[3]]$text #named column $text</a:t>
             </a:r>
           </a:p>
         </p:txBody>
@@ -5509,7 +5509,7 @@
           <a:p>
             <a:fld id="{6700A58B-DD98-43D0-B791-721480A02982}" type="datetime1">
               <a:rPr lang="en-US" smtClean="0"/>
-              <a:t>1/23/21</a:t>
+              <a:t>2/4/21</a:t>
             </a:fld>
             <a:endParaRPr lang="en-US"/>
           </a:p>
@@ -6676,7 +6676,7 @@
                   <a:spcPts val="600"/>
                 </a:spcAft>
               </a:pPr>
-              <a:t>1/23/21</a:t>
+              <a:t>2/4/21</a:t>
             </a:fld>
             <a:endParaRPr lang="en-US" sz="1200">
               <a:solidFill>
@@ -6799,7 +6799,7 @@
           <a:p>
             <a:fld id="{6700A58B-DD98-43D0-B791-721480A02982}" type="datetime1">
               <a:rPr lang="en-US" smtClean="0"/>
-              <a:t>1/23/21</a:t>
+              <a:t>2/4/21</a:t>
             </a:fld>
             <a:endParaRPr lang="en-US"/>
           </a:p>
@@ -7762,7 +7762,7 @@
           <a:p>
             <a:fld id="{6700A58B-DD98-43D0-B791-721480A02982}" type="datetime1">
               <a:rPr lang="en-US" smtClean="0"/>
-              <a:t>1/23/21</a:t>
+              <a:t>2/4/21</a:t>
             </a:fld>
             <a:endParaRPr lang="en-US"/>
           </a:p>
@@ -9891,7 +9891,7 @@
           <a:p>
             <a:fld id="{6700A58B-DD98-43D0-B791-721480A02982}" type="datetime1">
               <a:rPr lang="en-US" smtClean="0"/>
-              <a:t>1/23/21</a:t>
+              <a:t>2/4/21</a:t>
             </a:fld>
             <a:endParaRPr lang="en-US"/>
           </a:p>
@@ -10494,7 +10494,7 @@
         </p:blipFill>
         <p:spPr bwMode="auto">
           <a:xfrm>
-            <a:off x="2943038" y="1306414"/>
+            <a:off x="2477303" y="1320811"/>
             <a:ext cx="946096" cy="946096"/>
           </a:xfrm>
           <a:prstGeom prst="rect">
@@ -10541,7 +10541,7 @@
         </p:blipFill>
         <p:spPr bwMode="auto">
           <a:xfrm>
-            <a:off x="4509920" y="1306414"/>
+            <a:off x="4044185" y="1320811"/>
             <a:ext cx="946096" cy="946096"/>
           </a:xfrm>
           <a:prstGeom prst="rect">
@@ -10588,7 +10588,7 @@
         </p:blipFill>
         <p:spPr bwMode="auto">
           <a:xfrm>
-            <a:off x="3726479" y="1306414"/>
+            <a:off x="3260744" y="1320811"/>
             <a:ext cx="946096" cy="946096"/>
           </a:xfrm>
           <a:prstGeom prst="rect">
@@ -10635,7 +10635,7 @@
         </p:blipFill>
         <p:spPr bwMode="auto">
           <a:xfrm>
-            <a:off x="6076800" y="1306414"/>
+            <a:off x="5611065" y="1320811"/>
             <a:ext cx="946096" cy="946096"/>
           </a:xfrm>
           <a:prstGeom prst="rect">
@@ -10682,7 +10682,7 @@
         </p:blipFill>
         <p:spPr bwMode="auto">
           <a:xfrm>
-            <a:off x="5293361" y="1306414"/>
+            <a:off x="4827626" y="1320811"/>
             <a:ext cx="946096" cy="946096"/>
           </a:xfrm>
           <a:prstGeom prst="rect">
@@ -10988,7 +10988,7 @@
           <a:p>
             <a:fld id="{6700A58B-DD98-43D0-B791-721480A02982}" type="datetime1">
               <a:rPr lang="en-US" smtClean="0"/>
-              <a:t>1/23/21</a:t>
+              <a:t>2/4/21</a:t>
             </a:fld>
             <a:endParaRPr lang="en-US"/>
           </a:p>
@@ -14170,7 +14170,7 @@
           <a:p>
             <a:fld id="{6700A58B-DD98-43D0-B791-721480A02982}" type="datetime1">
               <a:rPr lang="en-US" smtClean="0"/>
-              <a:t>1/23/21</a:t>
+              <a:t>2/4/21</a:t>
             </a:fld>
             <a:endParaRPr lang="en-US"/>
           </a:p>
@@ -14794,7 +14794,7 @@
           <a:p>
             <a:fld id="{6700A58B-DD98-43D0-B791-721480A02982}" type="datetime1">
               <a:rPr lang="en-US" smtClean="0"/>
-              <a:t>1/23/21</a:t>
+              <a:t>2/4/21</a:t>
             </a:fld>
             <a:endParaRPr lang="en-US"/>
           </a:p>
@@ -15339,7 +15339,7 @@
           <a:p>
             <a:fld id="{6700A58B-DD98-43D0-B791-721480A02982}" type="datetime1">
               <a:rPr lang="en-US" smtClean="0"/>
-              <a:t>1/23/21</a:t>
+              <a:t>2/4/21</a:t>
             </a:fld>
             <a:endParaRPr lang="en-US"/>
           </a:p>
